--- a/Obesity in America.pptx
+++ b/Obesity in America.pptx
@@ -3403,7 +3403,7 @@
           <a:p>
             <a:r>
               <a:rPr lang="en-US" dirty="0"/>
-              <a:t>Members:    Jason </a:t>
+              <a:t>Participants: Jason </a:t>
             </a:r>
           </a:p>
           <a:p>
@@ -3765,7 +3765,7 @@
           <a:p>
             <a:r>
               <a:rPr lang="en-US" dirty="0"/>
-              <a:t>Age and Sex</a:t>
+              <a:t>Sex and Obesity</a:t>
             </a:r>
           </a:p>
         </p:txBody>
@@ -4133,7 +4133,12 @@
             <p:ph type="title"/>
           </p:nvPr>
         </p:nvSpPr>
-        <p:spPr/>
+        <p:spPr>
+          <a:xfrm>
+            <a:off x="767861" y="2193925"/>
+            <a:ext cx="10515600" cy="1325563"/>
+          </a:xfrm>
+        </p:spPr>
         <p:txBody>
           <a:bodyPr>
             <a:normAutofit/>
@@ -4145,31 +4150,6 @@
               <a:rPr lang="en-US" sz="5400" dirty="0"/>
               <a:t>Questions?</a:t>
             </a:r>
-          </a:p>
-        </p:txBody>
-      </p:sp>
-      <p:sp>
-        <p:nvSpPr>
-          <p:cNvPr id="3" name="Content Placeholder 2">
-            <a:extLst>
-              <a:ext uri="{FF2B5EF4-FFF2-40B4-BE49-F238E27FC236}">
-                <a16:creationId xmlns:a16="http://schemas.microsoft.com/office/drawing/2014/main" id="{4EB798A5-CD47-415F-90D4-BEB37899D814}"/>
-              </a:ext>
-            </a:extLst>
-          </p:cNvPr>
-          <p:cNvSpPr>
-            <a:spLocks noGrp="1"/>
-          </p:cNvSpPr>
-          <p:nvPr>
-            <p:ph idx="1"/>
-          </p:nvPr>
-        </p:nvSpPr>
-        <p:spPr/>
-        <p:txBody>
-          <a:bodyPr/>
-          <a:lstStyle/>
-          <a:p>
-            <a:endParaRPr lang="en-US" dirty="0"/>
           </a:p>
         </p:txBody>
       </p:sp>
